--- a/ppt 16-9/0242.十架永存.pptx
+++ b/ppt 16-9/0242.十架永存.pptx
@@ -5,7 +5,7 @@
     <p:sldMasterId id="2147483648" r:id="rId1"/>
   </p:sldMasterIdLst>
   <p:sldIdLst>
-    <p:sldId id="3078" r:id="rId2"/>
+    <p:sldId id="3079" r:id="rId2"/>
   </p:sldIdLst>
   <p:sldSz cx="12192000" cy="6858000"/>
   <p:notesSz cx="6858000" cy="9144000"/>
@@ -129,7 +129,7 @@
           <p:cNvPr id="2" name="标题 1">
             <a:extLst>
               <a:ext uri="{FF2B5EF4-FFF2-40B4-BE49-F238E27FC236}">
-                <a16:creationId xmlns:a16="http://schemas.microsoft.com/office/drawing/2014/main" id="{2445FE5C-A2E9-D3C1-2C30-9ED6D9F5B780}"/>
+                <a16:creationId xmlns:a16="http://schemas.microsoft.com/office/drawing/2014/main" id="{E9AFC0C7-4ACA-31EE-EA4D-C7F11828891B}"/>
               </a:ext>
             </a:extLst>
           </p:cNvPr>
@@ -166,7 +166,7 @@
           <p:cNvPr id="3" name="副标题 2">
             <a:extLst>
               <a:ext uri="{FF2B5EF4-FFF2-40B4-BE49-F238E27FC236}">
-                <a16:creationId xmlns:a16="http://schemas.microsoft.com/office/drawing/2014/main" id="{AAD0C36F-9B5D-E723-B5DC-54CBD43379C6}"/>
+                <a16:creationId xmlns:a16="http://schemas.microsoft.com/office/drawing/2014/main" id="{7F0E133F-E291-0120-85AD-7DF31AACD688}"/>
               </a:ext>
             </a:extLst>
           </p:cNvPr>
@@ -236,7 +236,7 @@
           <p:cNvPr id="4" name="日期占位符 3">
             <a:extLst>
               <a:ext uri="{FF2B5EF4-FFF2-40B4-BE49-F238E27FC236}">
-                <a16:creationId xmlns:a16="http://schemas.microsoft.com/office/drawing/2014/main" id="{310CBA88-05F2-EA30-443C-01B4186CE49A}"/>
+                <a16:creationId xmlns:a16="http://schemas.microsoft.com/office/drawing/2014/main" id="{A6CFDCD0-CC0E-3E96-61D2-C223266F7917}"/>
               </a:ext>
             </a:extLst>
           </p:cNvPr>
@@ -252,7 +252,7 @@
           <a:bodyPr/>
           <a:lstStyle/>
           <a:p>
-            <a:fld id="{B372849D-E2C2-424B-BE2B-5B5784F4EE60}" type="datetimeFigureOut">
+            <a:fld id="{8B16866D-F2DA-4E96-BB4B-895806855DB1}" type="datetimeFigureOut">
               <a:rPr lang="zh-CN" altLang="en-US" smtClean="0"/>
               <a:t>2024/3/10</a:t>
             </a:fld>
@@ -265,7 +265,7 @@
           <p:cNvPr id="5" name="页脚占位符 4">
             <a:extLst>
               <a:ext uri="{FF2B5EF4-FFF2-40B4-BE49-F238E27FC236}">
-                <a16:creationId xmlns:a16="http://schemas.microsoft.com/office/drawing/2014/main" id="{923D1EE9-4198-AB8E-93C2-4C35DB8F1896}"/>
+                <a16:creationId xmlns:a16="http://schemas.microsoft.com/office/drawing/2014/main" id="{0F2B5A78-3DF6-8601-A821-FC0283BC3A02}"/>
               </a:ext>
             </a:extLst>
           </p:cNvPr>
@@ -290,7 +290,7 @@
           <p:cNvPr id="6" name="灯片编号占位符 5">
             <a:extLst>
               <a:ext uri="{FF2B5EF4-FFF2-40B4-BE49-F238E27FC236}">
-                <a16:creationId xmlns:a16="http://schemas.microsoft.com/office/drawing/2014/main" id="{6ACEEB48-9C2E-CB93-21C7-B2D275A19B5E}"/>
+                <a16:creationId xmlns:a16="http://schemas.microsoft.com/office/drawing/2014/main" id="{616B9D95-050E-DBE0-5868-42E1EE3D5780}"/>
               </a:ext>
             </a:extLst>
           </p:cNvPr>
@@ -306,7 +306,7 @@
           <a:bodyPr/>
           <a:lstStyle/>
           <a:p>
-            <a:fld id="{21970E08-B74D-4531-935C-E01362E7CA06}" type="slidenum">
+            <a:fld id="{91751DFD-0778-4A02-AC05-AD0EF4A108C8}" type="slidenum">
               <a:rPr lang="zh-CN" altLang="en-US" smtClean="0"/>
               <a:t>‹#›</a:t>
             </a:fld>
@@ -317,7 +317,7 @@
     </p:spTree>
     <p:extLst>
       <p:ext uri="{BB962C8B-B14F-4D97-AF65-F5344CB8AC3E}">
-        <p14:creationId xmlns:p14="http://schemas.microsoft.com/office/powerpoint/2010/main" val="42246218"/>
+        <p14:creationId xmlns:p14="http://schemas.microsoft.com/office/powerpoint/2010/main" val="189856271"/>
       </p:ext>
     </p:extLst>
   </p:cSld>
@@ -349,7 +349,7 @@
           <p:cNvPr id="2" name="标题 1">
             <a:extLst>
               <a:ext uri="{FF2B5EF4-FFF2-40B4-BE49-F238E27FC236}">
-                <a16:creationId xmlns:a16="http://schemas.microsoft.com/office/drawing/2014/main" id="{994854A5-DF3F-FF08-209C-7AABC842CBC0}"/>
+                <a16:creationId xmlns:a16="http://schemas.microsoft.com/office/drawing/2014/main" id="{53D290CB-4FF3-6940-BDEF-21BDC69DFC94}"/>
               </a:ext>
             </a:extLst>
           </p:cNvPr>
@@ -377,7 +377,7 @@
           <p:cNvPr id="3" name="竖排文字占位符 2">
             <a:extLst>
               <a:ext uri="{FF2B5EF4-FFF2-40B4-BE49-F238E27FC236}">
-                <a16:creationId xmlns:a16="http://schemas.microsoft.com/office/drawing/2014/main" id="{2FB42910-3900-529E-9C1D-282FEEB029F1}"/>
+                <a16:creationId xmlns:a16="http://schemas.microsoft.com/office/drawing/2014/main" id="{B9D34730-B19D-E479-7FBE-9ACB90610303}"/>
               </a:ext>
             </a:extLst>
           </p:cNvPr>
@@ -434,7 +434,7 @@
           <p:cNvPr id="4" name="日期占位符 3">
             <a:extLst>
               <a:ext uri="{FF2B5EF4-FFF2-40B4-BE49-F238E27FC236}">
-                <a16:creationId xmlns:a16="http://schemas.microsoft.com/office/drawing/2014/main" id="{E767B1E3-78E1-D071-936A-2EBA4765D040}"/>
+                <a16:creationId xmlns:a16="http://schemas.microsoft.com/office/drawing/2014/main" id="{DF10AEE9-DFE2-44EC-E113-7BCF8F2508B0}"/>
               </a:ext>
             </a:extLst>
           </p:cNvPr>
@@ -450,7 +450,7 @@
           <a:bodyPr/>
           <a:lstStyle/>
           <a:p>
-            <a:fld id="{B372849D-E2C2-424B-BE2B-5B5784F4EE60}" type="datetimeFigureOut">
+            <a:fld id="{8B16866D-F2DA-4E96-BB4B-895806855DB1}" type="datetimeFigureOut">
               <a:rPr lang="zh-CN" altLang="en-US" smtClean="0"/>
               <a:t>2024/3/10</a:t>
             </a:fld>
@@ -463,7 +463,7 @@
           <p:cNvPr id="5" name="页脚占位符 4">
             <a:extLst>
               <a:ext uri="{FF2B5EF4-FFF2-40B4-BE49-F238E27FC236}">
-                <a16:creationId xmlns:a16="http://schemas.microsoft.com/office/drawing/2014/main" id="{C7BF485A-D792-7FB0-9720-B03E136B8DFF}"/>
+                <a16:creationId xmlns:a16="http://schemas.microsoft.com/office/drawing/2014/main" id="{79A1C342-AB49-2EA1-7E99-0C237C617222}"/>
               </a:ext>
             </a:extLst>
           </p:cNvPr>
@@ -488,7 +488,7 @@
           <p:cNvPr id="6" name="灯片编号占位符 5">
             <a:extLst>
               <a:ext uri="{FF2B5EF4-FFF2-40B4-BE49-F238E27FC236}">
-                <a16:creationId xmlns:a16="http://schemas.microsoft.com/office/drawing/2014/main" id="{A51E92F3-5404-CABE-A89F-5050C72AE9F2}"/>
+                <a16:creationId xmlns:a16="http://schemas.microsoft.com/office/drawing/2014/main" id="{25BCDF05-AAD8-B22B-1E34-4AED93031D9E}"/>
               </a:ext>
             </a:extLst>
           </p:cNvPr>
@@ -504,7 +504,7 @@
           <a:bodyPr/>
           <a:lstStyle/>
           <a:p>
-            <a:fld id="{21970E08-B74D-4531-935C-E01362E7CA06}" type="slidenum">
+            <a:fld id="{91751DFD-0778-4A02-AC05-AD0EF4A108C8}" type="slidenum">
               <a:rPr lang="zh-CN" altLang="en-US" smtClean="0"/>
               <a:t>‹#›</a:t>
             </a:fld>
@@ -515,7 +515,7 @@
     </p:spTree>
     <p:extLst>
       <p:ext uri="{BB962C8B-B14F-4D97-AF65-F5344CB8AC3E}">
-        <p14:creationId xmlns:p14="http://schemas.microsoft.com/office/powerpoint/2010/main" val="2048640012"/>
+        <p14:creationId xmlns:p14="http://schemas.microsoft.com/office/powerpoint/2010/main" val="2349252619"/>
       </p:ext>
     </p:extLst>
   </p:cSld>
@@ -547,7 +547,7 @@
           <p:cNvPr id="2" name="竖排标题 1">
             <a:extLst>
               <a:ext uri="{FF2B5EF4-FFF2-40B4-BE49-F238E27FC236}">
-                <a16:creationId xmlns:a16="http://schemas.microsoft.com/office/drawing/2014/main" id="{578849F9-96A0-E161-049D-1C7395BAE3D6}"/>
+                <a16:creationId xmlns:a16="http://schemas.microsoft.com/office/drawing/2014/main" id="{DAD1011C-A184-D904-6BC1-90EE8CED5808}"/>
               </a:ext>
             </a:extLst>
           </p:cNvPr>
@@ -580,7 +580,7 @@
           <p:cNvPr id="3" name="竖排文字占位符 2">
             <a:extLst>
               <a:ext uri="{FF2B5EF4-FFF2-40B4-BE49-F238E27FC236}">
-                <a16:creationId xmlns:a16="http://schemas.microsoft.com/office/drawing/2014/main" id="{B6D61B5A-5EA0-2767-E915-5EFED3BBAA3B}"/>
+                <a16:creationId xmlns:a16="http://schemas.microsoft.com/office/drawing/2014/main" id="{6BBF1A48-55B5-9A1B-DC01-ABC1B04401F5}"/>
               </a:ext>
             </a:extLst>
           </p:cNvPr>
@@ -642,7 +642,7 @@
           <p:cNvPr id="4" name="日期占位符 3">
             <a:extLst>
               <a:ext uri="{FF2B5EF4-FFF2-40B4-BE49-F238E27FC236}">
-                <a16:creationId xmlns:a16="http://schemas.microsoft.com/office/drawing/2014/main" id="{D207297E-B929-0006-FB93-13D2A384742C}"/>
+                <a16:creationId xmlns:a16="http://schemas.microsoft.com/office/drawing/2014/main" id="{4BB87696-060D-A2DD-8BA7-BECFA7EBB89F}"/>
               </a:ext>
             </a:extLst>
           </p:cNvPr>
@@ -658,7 +658,7 @@
           <a:bodyPr/>
           <a:lstStyle/>
           <a:p>
-            <a:fld id="{B372849D-E2C2-424B-BE2B-5B5784F4EE60}" type="datetimeFigureOut">
+            <a:fld id="{8B16866D-F2DA-4E96-BB4B-895806855DB1}" type="datetimeFigureOut">
               <a:rPr lang="zh-CN" altLang="en-US" smtClean="0"/>
               <a:t>2024/3/10</a:t>
             </a:fld>
@@ -671,7 +671,7 @@
           <p:cNvPr id="5" name="页脚占位符 4">
             <a:extLst>
               <a:ext uri="{FF2B5EF4-FFF2-40B4-BE49-F238E27FC236}">
-                <a16:creationId xmlns:a16="http://schemas.microsoft.com/office/drawing/2014/main" id="{9AAF53CC-0919-BEAA-F470-8A080268F350}"/>
+                <a16:creationId xmlns:a16="http://schemas.microsoft.com/office/drawing/2014/main" id="{997439C0-7C91-F2C1-5DA9-3E26C5FF334B}"/>
               </a:ext>
             </a:extLst>
           </p:cNvPr>
@@ -696,7 +696,7 @@
           <p:cNvPr id="6" name="灯片编号占位符 5">
             <a:extLst>
               <a:ext uri="{FF2B5EF4-FFF2-40B4-BE49-F238E27FC236}">
-                <a16:creationId xmlns:a16="http://schemas.microsoft.com/office/drawing/2014/main" id="{57AF57E2-1238-800D-6E46-60EDF08FB717}"/>
+                <a16:creationId xmlns:a16="http://schemas.microsoft.com/office/drawing/2014/main" id="{275C654F-5EAA-6856-3109-65A47B21DB50}"/>
               </a:ext>
             </a:extLst>
           </p:cNvPr>
@@ -712,7 +712,7 @@
           <a:bodyPr/>
           <a:lstStyle/>
           <a:p>
-            <a:fld id="{21970E08-B74D-4531-935C-E01362E7CA06}" type="slidenum">
+            <a:fld id="{91751DFD-0778-4A02-AC05-AD0EF4A108C8}" type="slidenum">
               <a:rPr lang="zh-CN" altLang="en-US" smtClean="0"/>
               <a:t>‹#›</a:t>
             </a:fld>
@@ -723,7 +723,7 @@
     </p:spTree>
     <p:extLst>
       <p:ext uri="{BB962C8B-B14F-4D97-AF65-F5344CB8AC3E}">
-        <p14:creationId xmlns:p14="http://schemas.microsoft.com/office/powerpoint/2010/main" val="3966891956"/>
+        <p14:creationId xmlns:p14="http://schemas.microsoft.com/office/powerpoint/2010/main" val="2824641656"/>
       </p:ext>
     </p:extLst>
   </p:cSld>
@@ -755,7 +755,7 @@
           <p:cNvPr id="2" name="标题 1">
             <a:extLst>
               <a:ext uri="{FF2B5EF4-FFF2-40B4-BE49-F238E27FC236}">
-                <a16:creationId xmlns:a16="http://schemas.microsoft.com/office/drawing/2014/main" id="{409787CA-3013-F622-6015-83FD95995062}"/>
+                <a16:creationId xmlns:a16="http://schemas.microsoft.com/office/drawing/2014/main" id="{F3175CC3-F15D-7F5B-D1FD-893CB70E21D4}"/>
               </a:ext>
             </a:extLst>
           </p:cNvPr>
@@ -783,7 +783,7 @@
           <p:cNvPr id="3" name="内容占位符 2">
             <a:extLst>
               <a:ext uri="{FF2B5EF4-FFF2-40B4-BE49-F238E27FC236}">
-                <a16:creationId xmlns:a16="http://schemas.microsoft.com/office/drawing/2014/main" id="{7401398B-4930-82C5-19C8-F89A329B840B}"/>
+                <a16:creationId xmlns:a16="http://schemas.microsoft.com/office/drawing/2014/main" id="{ED32CC26-A44F-A715-DD84-92E4E228285F}"/>
               </a:ext>
             </a:extLst>
           </p:cNvPr>
@@ -840,7 +840,7 @@
           <p:cNvPr id="4" name="日期占位符 3">
             <a:extLst>
               <a:ext uri="{FF2B5EF4-FFF2-40B4-BE49-F238E27FC236}">
-                <a16:creationId xmlns:a16="http://schemas.microsoft.com/office/drawing/2014/main" id="{3E4A7EEB-1337-521C-86AA-6E951969180C}"/>
+                <a16:creationId xmlns:a16="http://schemas.microsoft.com/office/drawing/2014/main" id="{7BFD0223-C302-840F-E837-626B39764456}"/>
               </a:ext>
             </a:extLst>
           </p:cNvPr>
@@ -856,7 +856,7 @@
           <a:bodyPr/>
           <a:lstStyle/>
           <a:p>
-            <a:fld id="{B372849D-E2C2-424B-BE2B-5B5784F4EE60}" type="datetimeFigureOut">
+            <a:fld id="{8B16866D-F2DA-4E96-BB4B-895806855DB1}" type="datetimeFigureOut">
               <a:rPr lang="zh-CN" altLang="en-US" smtClean="0"/>
               <a:t>2024/3/10</a:t>
             </a:fld>
@@ -869,7 +869,7 @@
           <p:cNvPr id="5" name="页脚占位符 4">
             <a:extLst>
               <a:ext uri="{FF2B5EF4-FFF2-40B4-BE49-F238E27FC236}">
-                <a16:creationId xmlns:a16="http://schemas.microsoft.com/office/drawing/2014/main" id="{3067E379-7A05-12B0-20BF-8109EB419103}"/>
+                <a16:creationId xmlns:a16="http://schemas.microsoft.com/office/drawing/2014/main" id="{F45EA7A0-2866-99E6-EC4E-986ACD3B2073}"/>
               </a:ext>
             </a:extLst>
           </p:cNvPr>
@@ -894,7 +894,7 @@
           <p:cNvPr id="6" name="灯片编号占位符 5">
             <a:extLst>
               <a:ext uri="{FF2B5EF4-FFF2-40B4-BE49-F238E27FC236}">
-                <a16:creationId xmlns:a16="http://schemas.microsoft.com/office/drawing/2014/main" id="{9CEB2D91-404D-C2DB-BD8D-26898544477F}"/>
+                <a16:creationId xmlns:a16="http://schemas.microsoft.com/office/drawing/2014/main" id="{60BFFC66-C5CB-1AD5-4B47-70897076CE3F}"/>
               </a:ext>
             </a:extLst>
           </p:cNvPr>
@@ -910,7 +910,7 @@
           <a:bodyPr/>
           <a:lstStyle/>
           <a:p>
-            <a:fld id="{21970E08-B74D-4531-935C-E01362E7CA06}" type="slidenum">
+            <a:fld id="{91751DFD-0778-4A02-AC05-AD0EF4A108C8}" type="slidenum">
               <a:rPr lang="zh-CN" altLang="en-US" smtClean="0"/>
               <a:t>‹#›</a:t>
             </a:fld>
@@ -921,7 +921,7 @@
     </p:spTree>
     <p:extLst>
       <p:ext uri="{BB962C8B-B14F-4D97-AF65-F5344CB8AC3E}">
-        <p14:creationId xmlns:p14="http://schemas.microsoft.com/office/powerpoint/2010/main" val="3559952936"/>
+        <p14:creationId xmlns:p14="http://schemas.microsoft.com/office/powerpoint/2010/main" val="3468930966"/>
       </p:ext>
     </p:extLst>
   </p:cSld>
@@ -953,7 +953,7 @@
           <p:cNvPr id="2" name="标题 1">
             <a:extLst>
               <a:ext uri="{FF2B5EF4-FFF2-40B4-BE49-F238E27FC236}">
-                <a16:creationId xmlns:a16="http://schemas.microsoft.com/office/drawing/2014/main" id="{81D5DEE1-E774-E78B-7F5A-A4B5D2533E2B}"/>
+                <a16:creationId xmlns:a16="http://schemas.microsoft.com/office/drawing/2014/main" id="{36BC42EA-CFA6-8BE5-E7E1-04800D2A9861}"/>
               </a:ext>
             </a:extLst>
           </p:cNvPr>
@@ -990,7 +990,7 @@
           <p:cNvPr id="3" name="文本占位符 2">
             <a:extLst>
               <a:ext uri="{FF2B5EF4-FFF2-40B4-BE49-F238E27FC236}">
-                <a16:creationId xmlns:a16="http://schemas.microsoft.com/office/drawing/2014/main" id="{FCFDF99E-BF5B-3CC0-BD5E-4ED782061573}"/>
+                <a16:creationId xmlns:a16="http://schemas.microsoft.com/office/drawing/2014/main" id="{0D59A253-5B37-D45B-4C15-0119279C4C38}"/>
               </a:ext>
             </a:extLst>
           </p:cNvPr>
@@ -1115,7 +1115,7 @@
           <p:cNvPr id="4" name="日期占位符 3">
             <a:extLst>
               <a:ext uri="{FF2B5EF4-FFF2-40B4-BE49-F238E27FC236}">
-                <a16:creationId xmlns:a16="http://schemas.microsoft.com/office/drawing/2014/main" id="{ED1A5C40-69D4-1BBF-8CC8-6D60045720FB}"/>
+                <a16:creationId xmlns:a16="http://schemas.microsoft.com/office/drawing/2014/main" id="{75427CDB-53F5-3312-03E1-18F53CAFA9AC}"/>
               </a:ext>
             </a:extLst>
           </p:cNvPr>
@@ -1131,7 +1131,7 @@
           <a:bodyPr/>
           <a:lstStyle/>
           <a:p>
-            <a:fld id="{B372849D-E2C2-424B-BE2B-5B5784F4EE60}" type="datetimeFigureOut">
+            <a:fld id="{8B16866D-F2DA-4E96-BB4B-895806855DB1}" type="datetimeFigureOut">
               <a:rPr lang="zh-CN" altLang="en-US" smtClean="0"/>
               <a:t>2024/3/10</a:t>
             </a:fld>
@@ -1144,7 +1144,7 @@
           <p:cNvPr id="5" name="页脚占位符 4">
             <a:extLst>
               <a:ext uri="{FF2B5EF4-FFF2-40B4-BE49-F238E27FC236}">
-                <a16:creationId xmlns:a16="http://schemas.microsoft.com/office/drawing/2014/main" id="{42C8FDF6-1CB2-9032-03BA-D4C633F3A872}"/>
+                <a16:creationId xmlns:a16="http://schemas.microsoft.com/office/drawing/2014/main" id="{659E25FD-92A0-74E2-9447-305096D7B10E}"/>
               </a:ext>
             </a:extLst>
           </p:cNvPr>
@@ -1169,7 +1169,7 @@
           <p:cNvPr id="6" name="灯片编号占位符 5">
             <a:extLst>
               <a:ext uri="{FF2B5EF4-FFF2-40B4-BE49-F238E27FC236}">
-                <a16:creationId xmlns:a16="http://schemas.microsoft.com/office/drawing/2014/main" id="{FA648FC2-51D2-F66B-2082-D9B4851FE541}"/>
+                <a16:creationId xmlns:a16="http://schemas.microsoft.com/office/drawing/2014/main" id="{0902FEBC-AD8A-61C0-7ABB-9F0D42D32115}"/>
               </a:ext>
             </a:extLst>
           </p:cNvPr>
@@ -1185,7 +1185,7 @@
           <a:bodyPr/>
           <a:lstStyle/>
           <a:p>
-            <a:fld id="{21970E08-B74D-4531-935C-E01362E7CA06}" type="slidenum">
+            <a:fld id="{91751DFD-0778-4A02-AC05-AD0EF4A108C8}" type="slidenum">
               <a:rPr lang="zh-CN" altLang="en-US" smtClean="0"/>
               <a:t>‹#›</a:t>
             </a:fld>
@@ -1196,7 +1196,7 @@
     </p:spTree>
     <p:extLst>
       <p:ext uri="{BB962C8B-B14F-4D97-AF65-F5344CB8AC3E}">
-        <p14:creationId xmlns:p14="http://schemas.microsoft.com/office/powerpoint/2010/main" val="3265024460"/>
+        <p14:creationId xmlns:p14="http://schemas.microsoft.com/office/powerpoint/2010/main" val="2138325435"/>
       </p:ext>
     </p:extLst>
   </p:cSld>
@@ -1228,7 +1228,7 @@
           <p:cNvPr id="2" name="标题 1">
             <a:extLst>
               <a:ext uri="{FF2B5EF4-FFF2-40B4-BE49-F238E27FC236}">
-                <a16:creationId xmlns:a16="http://schemas.microsoft.com/office/drawing/2014/main" id="{91FD9DD2-417E-87B8-6522-9B0FFDAB40B6}"/>
+                <a16:creationId xmlns:a16="http://schemas.microsoft.com/office/drawing/2014/main" id="{9A5371DB-EFAF-AB9D-BDE6-206ED9A6F1ED}"/>
               </a:ext>
             </a:extLst>
           </p:cNvPr>
@@ -1256,7 +1256,7 @@
           <p:cNvPr id="3" name="内容占位符 2">
             <a:extLst>
               <a:ext uri="{FF2B5EF4-FFF2-40B4-BE49-F238E27FC236}">
-                <a16:creationId xmlns:a16="http://schemas.microsoft.com/office/drawing/2014/main" id="{C2A38DEC-13A0-8E30-0DB5-AE93FC47C9BB}"/>
+                <a16:creationId xmlns:a16="http://schemas.microsoft.com/office/drawing/2014/main" id="{9D31D379-3D36-C12F-E085-2EB77DE0E964}"/>
               </a:ext>
             </a:extLst>
           </p:cNvPr>
@@ -1318,7 +1318,7 @@
           <p:cNvPr id="4" name="内容占位符 3">
             <a:extLst>
               <a:ext uri="{FF2B5EF4-FFF2-40B4-BE49-F238E27FC236}">
-                <a16:creationId xmlns:a16="http://schemas.microsoft.com/office/drawing/2014/main" id="{7332FDE5-DF3C-57ED-EB61-F29F44894C86}"/>
+                <a16:creationId xmlns:a16="http://schemas.microsoft.com/office/drawing/2014/main" id="{BDCC8449-55A7-2905-F7DC-3417EE37F610}"/>
               </a:ext>
             </a:extLst>
           </p:cNvPr>
@@ -1380,7 +1380,7 @@
           <p:cNvPr id="5" name="日期占位符 4">
             <a:extLst>
               <a:ext uri="{FF2B5EF4-FFF2-40B4-BE49-F238E27FC236}">
-                <a16:creationId xmlns:a16="http://schemas.microsoft.com/office/drawing/2014/main" id="{F8237558-099A-EB07-8BA2-9E9391B6AA22}"/>
+                <a16:creationId xmlns:a16="http://schemas.microsoft.com/office/drawing/2014/main" id="{AA5712E5-0A4D-7681-5060-A0717494462B}"/>
               </a:ext>
             </a:extLst>
           </p:cNvPr>
@@ -1396,7 +1396,7 @@
           <a:bodyPr/>
           <a:lstStyle/>
           <a:p>
-            <a:fld id="{B372849D-E2C2-424B-BE2B-5B5784F4EE60}" type="datetimeFigureOut">
+            <a:fld id="{8B16866D-F2DA-4E96-BB4B-895806855DB1}" type="datetimeFigureOut">
               <a:rPr lang="zh-CN" altLang="en-US" smtClean="0"/>
               <a:t>2024/3/10</a:t>
             </a:fld>
@@ -1409,7 +1409,7 @@
           <p:cNvPr id="6" name="页脚占位符 5">
             <a:extLst>
               <a:ext uri="{FF2B5EF4-FFF2-40B4-BE49-F238E27FC236}">
-                <a16:creationId xmlns:a16="http://schemas.microsoft.com/office/drawing/2014/main" id="{081220D7-9A06-B951-E486-F9CD85A83C83}"/>
+                <a16:creationId xmlns:a16="http://schemas.microsoft.com/office/drawing/2014/main" id="{022EC675-7265-76DE-EBB7-FBAAF0CAEE63}"/>
               </a:ext>
             </a:extLst>
           </p:cNvPr>
@@ -1434,7 +1434,7 @@
           <p:cNvPr id="7" name="灯片编号占位符 6">
             <a:extLst>
               <a:ext uri="{FF2B5EF4-FFF2-40B4-BE49-F238E27FC236}">
-                <a16:creationId xmlns:a16="http://schemas.microsoft.com/office/drawing/2014/main" id="{F1810484-C043-C766-CC0F-E4B037447F6F}"/>
+                <a16:creationId xmlns:a16="http://schemas.microsoft.com/office/drawing/2014/main" id="{CB396A89-B666-7CE1-52F3-09483A31F530}"/>
               </a:ext>
             </a:extLst>
           </p:cNvPr>
@@ -1450,7 +1450,7 @@
           <a:bodyPr/>
           <a:lstStyle/>
           <a:p>
-            <a:fld id="{21970E08-B74D-4531-935C-E01362E7CA06}" type="slidenum">
+            <a:fld id="{91751DFD-0778-4A02-AC05-AD0EF4A108C8}" type="slidenum">
               <a:rPr lang="zh-CN" altLang="en-US" smtClean="0"/>
               <a:t>‹#›</a:t>
             </a:fld>
@@ -1461,7 +1461,7 @@
     </p:spTree>
     <p:extLst>
       <p:ext uri="{BB962C8B-B14F-4D97-AF65-F5344CB8AC3E}">
-        <p14:creationId xmlns:p14="http://schemas.microsoft.com/office/powerpoint/2010/main" val="4246949908"/>
+        <p14:creationId xmlns:p14="http://schemas.microsoft.com/office/powerpoint/2010/main" val="2137082013"/>
       </p:ext>
     </p:extLst>
   </p:cSld>
@@ -1493,7 +1493,7 @@
           <p:cNvPr id="2" name="标题 1">
             <a:extLst>
               <a:ext uri="{FF2B5EF4-FFF2-40B4-BE49-F238E27FC236}">
-                <a16:creationId xmlns:a16="http://schemas.microsoft.com/office/drawing/2014/main" id="{671A60F2-983A-9154-4D5D-FC11038353C2}"/>
+                <a16:creationId xmlns:a16="http://schemas.microsoft.com/office/drawing/2014/main" id="{77974FA5-11BA-AEE2-BD66-7DECBCCF8AF6}"/>
               </a:ext>
             </a:extLst>
           </p:cNvPr>
@@ -1526,7 +1526,7 @@
           <p:cNvPr id="3" name="文本占位符 2">
             <a:extLst>
               <a:ext uri="{FF2B5EF4-FFF2-40B4-BE49-F238E27FC236}">
-                <a16:creationId xmlns:a16="http://schemas.microsoft.com/office/drawing/2014/main" id="{6978C280-105C-077D-5948-4B8DD8E80F67}"/>
+                <a16:creationId xmlns:a16="http://schemas.microsoft.com/office/drawing/2014/main" id="{B16DDD5D-F0CB-731C-0D3F-16DC5967F34F}"/>
               </a:ext>
             </a:extLst>
           </p:cNvPr>
@@ -1597,7 +1597,7 @@
           <p:cNvPr id="4" name="内容占位符 3">
             <a:extLst>
               <a:ext uri="{FF2B5EF4-FFF2-40B4-BE49-F238E27FC236}">
-                <a16:creationId xmlns:a16="http://schemas.microsoft.com/office/drawing/2014/main" id="{58EEBD44-CF98-5720-A1F2-D1873EF26EBD}"/>
+                <a16:creationId xmlns:a16="http://schemas.microsoft.com/office/drawing/2014/main" id="{5A5F3CDA-B1CA-0558-67F5-B04CC51B85B9}"/>
               </a:ext>
             </a:extLst>
           </p:cNvPr>
@@ -1659,7 +1659,7 @@
           <p:cNvPr id="5" name="文本占位符 4">
             <a:extLst>
               <a:ext uri="{FF2B5EF4-FFF2-40B4-BE49-F238E27FC236}">
-                <a16:creationId xmlns:a16="http://schemas.microsoft.com/office/drawing/2014/main" id="{F1CE3B14-526D-99B8-07A7-FFF83A328312}"/>
+                <a16:creationId xmlns:a16="http://schemas.microsoft.com/office/drawing/2014/main" id="{807ECBDA-E750-E84B-8036-1F5974CBDDF2}"/>
               </a:ext>
             </a:extLst>
           </p:cNvPr>
@@ -1730,7 +1730,7 @@
           <p:cNvPr id="6" name="内容占位符 5">
             <a:extLst>
               <a:ext uri="{FF2B5EF4-FFF2-40B4-BE49-F238E27FC236}">
-                <a16:creationId xmlns:a16="http://schemas.microsoft.com/office/drawing/2014/main" id="{635EDE84-8ACC-5336-DD09-C4683CDB9797}"/>
+                <a16:creationId xmlns:a16="http://schemas.microsoft.com/office/drawing/2014/main" id="{D0080FAD-2981-48AD-3AF4-C0D779261DB9}"/>
               </a:ext>
             </a:extLst>
           </p:cNvPr>
@@ -1792,7 +1792,7 @@
           <p:cNvPr id="7" name="日期占位符 6">
             <a:extLst>
               <a:ext uri="{FF2B5EF4-FFF2-40B4-BE49-F238E27FC236}">
-                <a16:creationId xmlns:a16="http://schemas.microsoft.com/office/drawing/2014/main" id="{10484B79-CCEE-AE3F-34A6-98DD425CFD80}"/>
+                <a16:creationId xmlns:a16="http://schemas.microsoft.com/office/drawing/2014/main" id="{868D45D0-18EE-D068-AC75-D356DF76E970}"/>
               </a:ext>
             </a:extLst>
           </p:cNvPr>
@@ -1808,7 +1808,7 @@
           <a:bodyPr/>
           <a:lstStyle/>
           <a:p>
-            <a:fld id="{B372849D-E2C2-424B-BE2B-5B5784F4EE60}" type="datetimeFigureOut">
+            <a:fld id="{8B16866D-F2DA-4E96-BB4B-895806855DB1}" type="datetimeFigureOut">
               <a:rPr lang="zh-CN" altLang="en-US" smtClean="0"/>
               <a:t>2024/3/10</a:t>
             </a:fld>
@@ -1821,7 +1821,7 @@
           <p:cNvPr id="8" name="页脚占位符 7">
             <a:extLst>
               <a:ext uri="{FF2B5EF4-FFF2-40B4-BE49-F238E27FC236}">
-                <a16:creationId xmlns:a16="http://schemas.microsoft.com/office/drawing/2014/main" id="{3DE394A2-DDAC-3D8B-0F91-C39432BA91A4}"/>
+                <a16:creationId xmlns:a16="http://schemas.microsoft.com/office/drawing/2014/main" id="{19AB767F-6FC2-E209-FDB3-EF481DADAA10}"/>
               </a:ext>
             </a:extLst>
           </p:cNvPr>
@@ -1846,7 +1846,7 @@
           <p:cNvPr id="9" name="灯片编号占位符 8">
             <a:extLst>
               <a:ext uri="{FF2B5EF4-FFF2-40B4-BE49-F238E27FC236}">
-                <a16:creationId xmlns:a16="http://schemas.microsoft.com/office/drawing/2014/main" id="{C50A3947-FB07-908B-0BA7-BFB1F169C7FF}"/>
+                <a16:creationId xmlns:a16="http://schemas.microsoft.com/office/drawing/2014/main" id="{27F94068-D78C-929F-EF5A-7565FAE510FF}"/>
               </a:ext>
             </a:extLst>
           </p:cNvPr>
@@ -1862,7 +1862,7 @@
           <a:bodyPr/>
           <a:lstStyle/>
           <a:p>
-            <a:fld id="{21970E08-B74D-4531-935C-E01362E7CA06}" type="slidenum">
+            <a:fld id="{91751DFD-0778-4A02-AC05-AD0EF4A108C8}" type="slidenum">
               <a:rPr lang="zh-CN" altLang="en-US" smtClean="0"/>
               <a:t>‹#›</a:t>
             </a:fld>
@@ -1873,7 +1873,7 @@
     </p:spTree>
     <p:extLst>
       <p:ext uri="{BB962C8B-B14F-4D97-AF65-F5344CB8AC3E}">
-        <p14:creationId xmlns:p14="http://schemas.microsoft.com/office/powerpoint/2010/main" val="548844006"/>
+        <p14:creationId xmlns:p14="http://schemas.microsoft.com/office/powerpoint/2010/main" val="2391288057"/>
       </p:ext>
     </p:extLst>
   </p:cSld>
@@ -1905,7 +1905,7 @@
           <p:cNvPr id="2" name="标题 1">
             <a:extLst>
               <a:ext uri="{FF2B5EF4-FFF2-40B4-BE49-F238E27FC236}">
-                <a16:creationId xmlns:a16="http://schemas.microsoft.com/office/drawing/2014/main" id="{C8C0AB2B-CB1D-B801-4E79-CF13D62F5E27}"/>
+                <a16:creationId xmlns:a16="http://schemas.microsoft.com/office/drawing/2014/main" id="{F624255C-82AC-496A-25F6-DF3AFC442C3D}"/>
               </a:ext>
             </a:extLst>
           </p:cNvPr>
@@ -1933,7 +1933,7 @@
           <p:cNvPr id="3" name="日期占位符 2">
             <a:extLst>
               <a:ext uri="{FF2B5EF4-FFF2-40B4-BE49-F238E27FC236}">
-                <a16:creationId xmlns:a16="http://schemas.microsoft.com/office/drawing/2014/main" id="{F88FD2BA-25D3-5EB2-0B91-A87427F0BE00}"/>
+                <a16:creationId xmlns:a16="http://schemas.microsoft.com/office/drawing/2014/main" id="{2B3B4135-6A55-0978-1E78-4D26F80F7895}"/>
               </a:ext>
             </a:extLst>
           </p:cNvPr>
@@ -1949,7 +1949,7 @@
           <a:bodyPr/>
           <a:lstStyle/>
           <a:p>
-            <a:fld id="{B372849D-E2C2-424B-BE2B-5B5784F4EE60}" type="datetimeFigureOut">
+            <a:fld id="{8B16866D-F2DA-4E96-BB4B-895806855DB1}" type="datetimeFigureOut">
               <a:rPr lang="zh-CN" altLang="en-US" smtClean="0"/>
               <a:t>2024/3/10</a:t>
             </a:fld>
@@ -1962,7 +1962,7 @@
           <p:cNvPr id="4" name="页脚占位符 3">
             <a:extLst>
               <a:ext uri="{FF2B5EF4-FFF2-40B4-BE49-F238E27FC236}">
-                <a16:creationId xmlns:a16="http://schemas.microsoft.com/office/drawing/2014/main" id="{10FC3210-4727-55DE-0661-FF37FDE35D08}"/>
+                <a16:creationId xmlns:a16="http://schemas.microsoft.com/office/drawing/2014/main" id="{B02EF221-8482-C1FD-0DF3-EDB5A843E867}"/>
               </a:ext>
             </a:extLst>
           </p:cNvPr>
@@ -1987,7 +1987,7 @@
           <p:cNvPr id="5" name="灯片编号占位符 4">
             <a:extLst>
               <a:ext uri="{FF2B5EF4-FFF2-40B4-BE49-F238E27FC236}">
-                <a16:creationId xmlns:a16="http://schemas.microsoft.com/office/drawing/2014/main" id="{0B9ED559-AEE2-6137-4CC3-7720D4B22041}"/>
+                <a16:creationId xmlns:a16="http://schemas.microsoft.com/office/drawing/2014/main" id="{2856EFAF-4069-CAB4-1225-E4543D7DC473}"/>
               </a:ext>
             </a:extLst>
           </p:cNvPr>
@@ -2003,7 +2003,7 @@
           <a:bodyPr/>
           <a:lstStyle/>
           <a:p>
-            <a:fld id="{21970E08-B74D-4531-935C-E01362E7CA06}" type="slidenum">
+            <a:fld id="{91751DFD-0778-4A02-AC05-AD0EF4A108C8}" type="slidenum">
               <a:rPr lang="zh-CN" altLang="en-US" smtClean="0"/>
               <a:t>‹#›</a:t>
             </a:fld>
@@ -2014,7 +2014,7 @@
     </p:spTree>
     <p:extLst>
       <p:ext uri="{BB962C8B-B14F-4D97-AF65-F5344CB8AC3E}">
-        <p14:creationId xmlns:p14="http://schemas.microsoft.com/office/powerpoint/2010/main" val="1401293697"/>
+        <p14:creationId xmlns:p14="http://schemas.microsoft.com/office/powerpoint/2010/main" val="4105979164"/>
       </p:ext>
     </p:extLst>
   </p:cSld>
@@ -2046,7 +2046,7 @@
           <p:cNvPr id="2" name="日期占位符 1">
             <a:extLst>
               <a:ext uri="{FF2B5EF4-FFF2-40B4-BE49-F238E27FC236}">
-                <a16:creationId xmlns:a16="http://schemas.microsoft.com/office/drawing/2014/main" id="{15B37D93-FD9E-3472-73D8-0DBBB2383830}"/>
+                <a16:creationId xmlns:a16="http://schemas.microsoft.com/office/drawing/2014/main" id="{FB49BCEC-7530-442B-B9BF-26ED13D8DBA6}"/>
               </a:ext>
             </a:extLst>
           </p:cNvPr>
@@ -2062,7 +2062,7 @@
           <a:bodyPr/>
           <a:lstStyle/>
           <a:p>
-            <a:fld id="{B372849D-E2C2-424B-BE2B-5B5784F4EE60}" type="datetimeFigureOut">
+            <a:fld id="{8B16866D-F2DA-4E96-BB4B-895806855DB1}" type="datetimeFigureOut">
               <a:rPr lang="zh-CN" altLang="en-US" smtClean="0"/>
               <a:t>2024/3/10</a:t>
             </a:fld>
@@ -2075,7 +2075,7 @@
           <p:cNvPr id="3" name="页脚占位符 2">
             <a:extLst>
               <a:ext uri="{FF2B5EF4-FFF2-40B4-BE49-F238E27FC236}">
-                <a16:creationId xmlns:a16="http://schemas.microsoft.com/office/drawing/2014/main" id="{47F39D47-C3A6-2E92-2282-07E24AF6B1B5}"/>
+                <a16:creationId xmlns:a16="http://schemas.microsoft.com/office/drawing/2014/main" id="{2A4A8F38-FA48-429B-874C-8034814BE8F0}"/>
               </a:ext>
             </a:extLst>
           </p:cNvPr>
@@ -2100,7 +2100,7 @@
           <p:cNvPr id="4" name="灯片编号占位符 3">
             <a:extLst>
               <a:ext uri="{FF2B5EF4-FFF2-40B4-BE49-F238E27FC236}">
-                <a16:creationId xmlns:a16="http://schemas.microsoft.com/office/drawing/2014/main" id="{3639928C-0B25-677E-0C37-DC1EBFFAA85E}"/>
+                <a16:creationId xmlns:a16="http://schemas.microsoft.com/office/drawing/2014/main" id="{4B75F4AF-ABB6-C406-A59D-00C895658952}"/>
               </a:ext>
             </a:extLst>
           </p:cNvPr>
@@ -2116,7 +2116,7 @@
           <a:bodyPr/>
           <a:lstStyle/>
           <a:p>
-            <a:fld id="{21970E08-B74D-4531-935C-E01362E7CA06}" type="slidenum">
+            <a:fld id="{91751DFD-0778-4A02-AC05-AD0EF4A108C8}" type="slidenum">
               <a:rPr lang="zh-CN" altLang="en-US" smtClean="0"/>
               <a:t>‹#›</a:t>
             </a:fld>
@@ -2127,7 +2127,7 @@
     </p:spTree>
     <p:extLst>
       <p:ext uri="{BB962C8B-B14F-4D97-AF65-F5344CB8AC3E}">
-        <p14:creationId xmlns:p14="http://schemas.microsoft.com/office/powerpoint/2010/main" val="3001101755"/>
+        <p14:creationId xmlns:p14="http://schemas.microsoft.com/office/powerpoint/2010/main" val="4065066917"/>
       </p:ext>
     </p:extLst>
   </p:cSld>
@@ -2159,7 +2159,7 @@
           <p:cNvPr id="2" name="标题 1">
             <a:extLst>
               <a:ext uri="{FF2B5EF4-FFF2-40B4-BE49-F238E27FC236}">
-                <a16:creationId xmlns:a16="http://schemas.microsoft.com/office/drawing/2014/main" id="{F4E679A9-565C-7FDC-B568-94571CC4AD13}"/>
+                <a16:creationId xmlns:a16="http://schemas.microsoft.com/office/drawing/2014/main" id="{4E886611-9A18-7F35-FED4-7DF7D99015BF}"/>
               </a:ext>
             </a:extLst>
           </p:cNvPr>
@@ -2196,7 +2196,7 @@
           <p:cNvPr id="3" name="内容占位符 2">
             <a:extLst>
               <a:ext uri="{FF2B5EF4-FFF2-40B4-BE49-F238E27FC236}">
-                <a16:creationId xmlns:a16="http://schemas.microsoft.com/office/drawing/2014/main" id="{0AAB468C-FD4C-20B4-2C60-55E5C4801E82}"/>
+                <a16:creationId xmlns:a16="http://schemas.microsoft.com/office/drawing/2014/main" id="{40730078-6BAD-84C5-7A2C-F4D64731622F}"/>
               </a:ext>
             </a:extLst>
           </p:cNvPr>
@@ -2286,7 +2286,7 @@
           <p:cNvPr id="4" name="文本占位符 3">
             <a:extLst>
               <a:ext uri="{FF2B5EF4-FFF2-40B4-BE49-F238E27FC236}">
-                <a16:creationId xmlns:a16="http://schemas.microsoft.com/office/drawing/2014/main" id="{7735A416-AD34-62C5-BF12-10C1791135D8}"/>
+                <a16:creationId xmlns:a16="http://schemas.microsoft.com/office/drawing/2014/main" id="{DEFA6048-E530-AB1D-C3EC-F433A7A4558E}"/>
               </a:ext>
             </a:extLst>
           </p:cNvPr>
@@ -2357,7 +2357,7 @@
           <p:cNvPr id="5" name="日期占位符 4">
             <a:extLst>
               <a:ext uri="{FF2B5EF4-FFF2-40B4-BE49-F238E27FC236}">
-                <a16:creationId xmlns:a16="http://schemas.microsoft.com/office/drawing/2014/main" id="{2AA67BDE-7B68-9E13-56A8-D931BD66C7F2}"/>
+                <a16:creationId xmlns:a16="http://schemas.microsoft.com/office/drawing/2014/main" id="{DE86064F-9B7B-13BB-6F93-A01034DB0B34}"/>
               </a:ext>
             </a:extLst>
           </p:cNvPr>
@@ -2373,7 +2373,7 @@
           <a:bodyPr/>
           <a:lstStyle/>
           <a:p>
-            <a:fld id="{B372849D-E2C2-424B-BE2B-5B5784F4EE60}" type="datetimeFigureOut">
+            <a:fld id="{8B16866D-F2DA-4E96-BB4B-895806855DB1}" type="datetimeFigureOut">
               <a:rPr lang="zh-CN" altLang="en-US" smtClean="0"/>
               <a:t>2024/3/10</a:t>
             </a:fld>
@@ -2386,7 +2386,7 @@
           <p:cNvPr id="6" name="页脚占位符 5">
             <a:extLst>
               <a:ext uri="{FF2B5EF4-FFF2-40B4-BE49-F238E27FC236}">
-                <a16:creationId xmlns:a16="http://schemas.microsoft.com/office/drawing/2014/main" id="{88F8662D-616E-3C83-3E48-CCA9915F616A}"/>
+                <a16:creationId xmlns:a16="http://schemas.microsoft.com/office/drawing/2014/main" id="{B95FA95B-40ED-6364-5309-9C84E0E20E35}"/>
               </a:ext>
             </a:extLst>
           </p:cNvPr>
@@ -2411,7 +2411,7 @@
           <p:cNvPr id="7" name="灯片编号占位符 6">
             <a:extLst>
               <a:ext uri="{FF2B5EF4-FFF2-40B4-BE49-F238E27FC236}">
-                <a16:creationId xmlns:a16="http://schemas.microsoft.com/office/drawing/2014/main" id="{70242878-BAF9-8ED1-A6C6-3B3AB7A81F97}"/>
+                <a16:creationId xmlns:a16="http://schemas.microsoft.com/office/drawing/2014/main" id="{5834AC34-82D2-9940-B98D-8195049AE823}"/>
               </a:ext>
             </a:extLst>
           </p:cNvPr>
@@ -2427,7 +2427,7 @@
           <a:bodyPr/>
           <a:lstStyle/>
           <a:p>
-            <a:fld id="{21970E08-B74D-4531-935C-E01362E7CA06}" type="slidenum">
+            <a:fld id="{91751DFD-0778-4A02-AC05-AD0EF4A108C8}" type="slidenum">
               <a:rPr lang="zh-CN" altLang="en-US" smtClean="0"/>
               <a:t>‹#›</a:t>
             </a:fld>
@@ -2438,7 +2438,7 @@
     </p:spTree>
     <p:extLst>
       <p:ext uri="{BB962C8B-B14F-4D97-AF65-F5344CB8AC3E}">
-        <p14:creationId xmlns:p14="http://schemas.microsoft.com/office/powerpoint/2010/main" val="904528009"/>
+        <p14:creationId xmlns:p14="http://schemas.microsoft.com/office/powerpoint/2010/main" val="470266412"/>
       </p:ext>
     </p:extLst>
   </p:cSld>
@@ -2470,7 +2470,7 @@
           <p:cNvPr id="2" name="标题 1">
             <a:extLst>
               <a:ext uri="{FF2B5EF4-FFF2-40B4-BE49-F238E27FC236}">
-                <a16:creationId xmlns:a16="http://schemas.microsoft.com/office/drawing/2014/main" id="{F0B95A43-C350-ED79-3F98-DD41625432C3}"/>
+                <a16:creationId xmlns:a16="http://schemas.microsoft.com/office/drawing/2014/main" id="{2804A051-BF46-46FD-39D7-4A5999EEC842}"/>
               </a:ext>
             </a:extLst>
           </p:cNvPr>
@@ -2507,7 +2507,7 @@
           <p:cNvPr id="3" name="图片占位符 2">
             <a:extLst>
               <a:ext uri="{FF2B5EF4-FFF2-40B4-BE49-F238E27FC236}">
-                <a16:creationId xmlns:a16="http://schemas.microsoft.com/office/drawing/2014/main" id="{FAF470A9-3386-EB67-2299-638E85A8B3CF}"/>
+                <a16:creationId xmlns:a16="http://schemas.microsoft.com/office/drawing/2014/main" id="{3513DD37-F228-EDF1-D7D2-5E05F7729FC4}"/>
               </a:ext>
             </a:extLst>
           </p:cNvPr>
@@ -2574,7 +2574,7 @@
           <p:cNvPr id="4" name="文本占位符 3">
             <a:extLst>
               <a:ext uri="{FF2B5EF4-FFF2-40B4-BE49-F238E27FC236}">
-                <a16:creationId xmlns:a16="http://schemas.microsoft.com/office/drawing/2014/main" id="{21AE8E49-B56A-7421-25E0-CCE473A5707A}"/>
+                <a16:creationId xmlns:a16="http://schemas.microsoft.com/office/drawing/2014/main" id="{EEC8CB72-DB1C-950F-1328-6B0643EB00A9}"/>
               </a:ext>
             </a:extLst>
           </p:cNvPr>
@@ -2645,7 +2645,7 @@
           <p:cNvPr id="5" name="日期占位符 4">
             <a:extLst>
               <a:ext uri="{FF2B5EF4-FFF2-40B4-BE49-F238E27FC236}">
-                <a16:creationId xmlns:a16="http://schemas.microsoft.com/office/drawing/2014/main" id="{2CE66A75-9431-6AF5-00FC-97BDB04741BB}"/>
+                <a16:creationId xmlns:a16="http://schemas.microsoft.com/office/drawing/2014/main" id="{168D011F-3C92-74D7-E1C3-4F09149DF403}"/>
               </a:ext>
             </a:extLst>
           </p:cNvPr>
@@ -2661,7 +2661,7 @@
           <a:bodyPr/>
           <a:lstStyle/>
           <a:p>
-            <a:fld id="{B372849D-E2C2-424B-BE2B-5B5784F4EE60}" type="datetimeFigureOut">
+            <a:fld id="{8B16866D-F2DA-4E96-BB4B-895806855DB1}" type="datetimeFigureOut">
               <a:rPr lang="zh-CN" altLang="en-US" smtClean="0"/>
               <a:t>2024/3/10</a:t>
             </a:fld>
@@ -2674,7 +2674,7 @@
           <p:cNvPr id="6" name="页脚占位符 5">
             <a:extLst>
               <a:ext uri="{FF2B5EF4-FFF2-40B4-BE49-F238E27FC236}">
-                <a16:creationId xmlns:a16="http://schemas.microsoft.com/office/drawing/2014/main" id="{DC4B41D9-4B03-8E60-D6DC-4CF43A02CB1C}"/>
+                <a16:creationId xmlns:a16="http://schemas.microsoft.com/office/drawing/2014/main" id="{ADA4079A-7E78-5BB7-D179-1C878B5C9B98}"/>
               </a:ext>
             </a:extLst>
           </p:cNvPr>
@@ -2699,7 +2699,7 @@
           <p:cNvPr id="7" name="灯片编号占位符 6">
             <a:extLst>
               <a:ext uri="{FF2B5EF4-FFF2-40B4-BE49-F238E27FC236}">
-                <a16:creationId xmlns:a16="http://schemas.microsoft.com/office/drawing/2014/main" id="{DDCD41DE-931B-B4F9-DDEE-B2D5F2A1143D}"/>
+                <a16:creationId xmlns:a16="http://schemas.microsoft.com/office/drawing/2014/main" id="{8A0592EA-1E0D-A335-DC3A-2A90AB699445}"/>
               </a:ext>
             </a:extLst>
           </p:cNvPr>
@@ -2715,7 +2715,7 @@
           <a:bodyPr/>
           <a:lstStyle/>
           <a:p>
-            <a:fld id="{21970E08-B74D-4531-935C-E01362E7CA06}" type="slidenum">
+            <a:fld id="{91751DFD-0778-4A02-AC05-AD0EF4A108C8}" type="slidenum">
               <a:rPr lang="zh-CN" altLang="en-US" smtClean="0"/>
               <a:t>‹#›</a:t>
             </a:fld>
@@ -2726,7 +2726,7 @@
     </p:spTree>
     <p:extLst>
       <p:ext uri="{BB962C8B-B14F-4D97-AF65-F5344CB8AC3E}">
-        <p14:creationId xmlns:p14="http://schemas.microsoft.com/office/powerpoint/2010/main" val="334701212"/>
+        <p14:creationId xmlns:p14="http://schemas.microsoft.com/office/powerpoint/2010/main" val="408614651"/>
       </p:ext>
     </p:extLst>
   </p:cSld>
@@ -2763,7 +2763,7 @@
           <p:cNvPr id="2" name="标题占位符 1">
             <a:extLst>
               <a:ext uri="{FF2B5EF4-FFF2-40B4-BE49-F238E27FC236}">
-                <a16:creationId xmlns:a16="http://schemas.microsoft.com/office/drawing/2014/main" id="{86C54558-3BD5-E742-6D54-9997AB2F2BD0}"/>
+                <a16:creationId xmlns:a16="http://schemas.microsoft.com/office/drawing/2014/main" id="{D8EBD65E-04AE-D3BF-82A2-7F2CA28B0947}"/>
               </a:ext>
             </a:extLst>
           </p:cNvPr>
@@ -2801,7 +2801,7 @@
           <p:cNvPr id="3" name="文本占位符 2">
             <a:extLst>
               <a:ext uri="{FF2B5EF4-FFF2-40B4-BE49-F238E27FC236}">
-                <a16:creationId xmlns:a16="http://schemas.microsoft.com/office/drawing/2014/main" id="{D2419E22-C081-7510-ABED-D2692B5D42BD}"/>
+                <a16:creationId xmlns:a16="http://schemas.microsoft.com/office/drawing/2014/main" id="{17AA16A8-4D79-512B-9A60-78564F856DBB}"/>
               </a:ext>
             </a:extLst>
           </p:cNvPr>
@@ -2868,7 +2868,7 @@
           <p:cNvPr id="4" name="日期占位符 3">
             <a:extLst>
               <a:ext uri="{FF2B5EF4-FFF2-40B4-BE49-F238E27FC236}">
-                <a16:creationId xmlns:a16="http://schemas.microsoft.com/office/drawing/2014/main" id="{F182A886-38F9-1E49-C18D-C9BBB9D4E835}"/>
+                <a16:creationId xmlns:a16="http://schemas.microsoft.com/office/drawing/2014/main" id="{14C98748-A8E0-B0FE-211B-592B4078C706}"/>
               </a:ext>
             </a:extLst>
           </p:cNvPr>
@@ -2902,7 +2902,7 @@
             </a:lvl1pPr>
           </a:lstStyle>
           <a:p>
-            <a:fld id="{B372849D-E2C2-424B-BE2B-5B5784F4EE60}" type="datetimeFigureOut">
+            <a:fld id="{8B16866D-F2DA-4E96-BB4B-895806855DB1}" type="datetimeFigureOut">
               <a:rPr lang="zh-CN" altLang="en-US" smtClean="0"/>
               <a:t>2024/3/10</a:t>
             </a:fld>
@@ -2915,7 +2915,7 @@
           <p:cNvPr id="5" name="页脚占位符 4">
             <a:extLst>
               <a:ext uri="{FF2B5EF4-FFF2-40B4-BE49-F238E27FC236}">
-                <a16:creationId xmlns:a16="http://schemas.microsoft.com/office/drawing/2014/main" id="{EBCCA5DB-8936-74AF-9DE8-D798B708AB75}"/>
+                <a16:creationId xmlns:a16="http://schemas.microsoft.com/office/drawing/2014/main" id="{D0F432FA-E473-CF31-9B35-C4FDD4E75E5A}"/>
               </a:ext>
             </a:extLst>
           </p:cNvPr>
@@ -2958,7 +2958,7 @@
           <p:cNvPr id="6" name="灯片编号占位符 5">
             <a:extLst>
               <a:ext uri="{FF2B5EF4-FFF2-40B4-BE49-F238E27FC236}">
-                <a16:creationId xmlns:a16="http://schemas.microsoft.com/office/drawing/2014/main" id="{BB5D6711-5E49-5D68-3720-B4257FF9F2BF}"/>
+                <a16:creationId xmlns:a16="http://schemas.microsoft.com/office/drawing/2014/main" id="{F2A7A6B1-9598-E4AC-8176-25B5C5CDF52E}"/>
               </a:ext>
             </a:extLst>
           </p:cNvPr>
@@ -2992,7 +2992,7 @@
             </a:lvl1pPr>
           </a:lstStyle>
           <a:p>
-            <a:fld id="{21970E08-B74D-4531-935C-E01362E7CA06}" type="slidenum">
+            <a:fld id="{91751DFD-0778-4A02-AC05-AD0EF4A108C8}" type="slidenum">
               <a:rPr lang="zh-CN" altLang="en-US" smtClean="0"/>
               <a:t>‹#›</a:t>
             </a:fld>
@@ -3003,7 +3003,7 @@
     </p:spTree>
     <p:extLst>
       <p:ext uri="{BB962C8B-B14F-4D97-AF65-F5344CB8AC3E}">
-        <p14:creationId xmlns:p14="http://schemas.microsoft.com/office/powerpoint/2010/main" val="2501010554"/>
+        <p14:creationId xmlns:p14="http://schemas.microsoft.com/office/powerpoint/2010/main" val="1403260066"/>
       </p:ext>
     </p:extLst>
   </p:cSld>
@@ -3323,7 +3323,7 @@
       </p:grpSpPr>
       <p:pic>
         <p:nvPicPr>
-          <p:cNvPr id="247810" name="Picture 2" descr="241"/>
+          <p:cNvPr id="248834" name="Picture 2" descr="242"/>
           <p:cNvPicPr>
             <a:picLocks noChangeAspect="1" noChangeArrowheads="1"/>
           </p:cNvPicPr>
@@ -3375,11 +3375,158 @@
           </a:extLst>
         </p:spPr>
       </p:pic>
+      <p:pic>
+        <p:nvPicPr>
+          <p:cNvPr id="249859" name="Picture 3" descr="242-2"/>
+          <p:cNvPicPr>
+            <a:picLocks noChangeAspect="1" noChangeArrowheads="1"/>
+          </p:cNvPicPr>
+          <p:nvPr/>
+        </p:nvPicPr>
+        <p:blipFill>
+          <a:blip r:embed="rId3">
+            <a:extLst>
+              <a:ext uri="{28A0092B-C50C-407E-A947-70E740481C1C}">
+                <a14:useLocalDpi xmlns:a14="http://schemas.microsoft.com/office/drawing/2010/main" val="0"/>
+              </a:ext>
+            </a:extLst>
+          </a:blip>
+          <a:srcRect/>
+          <a:stretch>
+            <a:fillRect/>
+          </a:stretch>
+        </p:blipFill>
+        <p:spPr bwMode="auto">
+          <a:xfrm>
+            <a:off x="1524000" y="44450"/>
+            <a:ext cx="9144000" cy="6858000"/>
+          </a:xfrm>
+          <a:prstGeom prst="rect">
+            <a:avLst/>
+          </a:prstGeom>
+          <a:noFill/>
+          <a:ln>
+            <a:noFill/>
+          </a:ln>
+          <a:effectLst/>
+          <a:extLst>
+            <a:ext uri="{909E8E84-426E-40DD-AFC4-6F175D3DCCD1}">
+              <a14:hiddenFill xmlns:a14="http://schemas.microsoft.com/office/drawing/2010/main">
+                <a:solidFill>
+                  <a:srgbClr val="FFFFFF"/>
+                </a:solidFill>
+              </a14:hiddenFill>
+            </a:ext>
+            <a:ext uri="{91240B29-F687-4F45-9708-019B960494DF}">
+              <a14:hiddenLine xmlns:a14="http://schemas.microsoft.com/office/drawing/2010/main" w="9525">
+                <a:solidFill>
+                  <a:srgbClr val="000000"/>
+                </a:solidFill>
+                <a:miter lim="800000"/>
+                <a:headEnd/>
+                <a:tailEnd/>
+              </a14:hiddenLine>
+            </a:ext>
+            <a:ext uri="{AF507438-7753-43E0-B8FC-AC1667EBCBE1}">
+              <a14:hiddenEffects xmlns:a14="http://schemas.microsoft.com/office/drawing/2010/main">
+                <a:effectLst>
+                  <a:outerShdw dist="35921" dir="2700000" algn="ctr" rotWithShape="0">
+                    <a:srgbClr val="808080"/>
+                  </a:outerShdw>
+                </a:effectLst>
+              </a14:hiddenEffects>
+            </a:ext>
+          </a:extLst>
+        </p:spPr>
+      </p:pic>
     </p:spTree>
   </p:cSld>
   <p:clrMapOvr>
     <a:masterClrMapping/>
   </p:clrMapOvr>
+  <p:timing>
+    <p:tnLst>
+      <p:par>
+        <p:cTn id="1" dur="indefinite" restart="never" nodeType="tmRoot">
+          <p:childTnLst>
+            <p:seq concurrent="1" nextAc="seek">
+              <p:cTn id="2" dur="indefinite" nodeType="mainSeq">
+                <p:childTnLst>
+                  <p:par>
+                    <p:cTn id="3" fill="hold" nodeType="clickPar">
+                      <p:stCondLst>
+                        <p:cond delay="indefinite"/>
+                      </p:stCondLst>
+                      <p:childTnLst>
+                        <p:par>
+                          <p:cTn id="4" fill="hold" nodeType="withGroup">
+                            <p:stCondLst>
+                              <p:cond delay="0"/>
+                            </p:stCondLst>
+                            <p:childTnLst>
+                              <p:par>
+                                <p:cTn id="5" presetID="10" presetClass="entr" presetSubtype="0" fill="hold" nodeType="clickEffect">
+                                  <p:stCondLst>
+                                    <p:cond delay="0"/>
+                                  </p:stCondLst>
+                                  <p:childTnLst>
+                                    <p:set>
+                                      <p:cBhvr>
+                                        <p:cTn id="6" dur="1" fill="hold">
+                                          <p:stCondLst>
+                                            <p:cond delay="0"/>
+                                          </p:stCondLst>
+                                        </p:cTn>
+                                        <p:tgtEl>
+                                          <p:spTgt spid="249859"/>
+                                        </p:tgtEl>
+                                        <p:attrNameLst>
+                                          <p:attrName>style.visibility</p:attrName>
+                                        </p:attrNameLst>
+                                      </p:cBhvr>
+                                      <p:to>
+                                        <p:strVal val="visible"/>
+                                      </p:to>
+                                    </p:set>
+                                    <p:animEffect transition="in" filter="fade">
+                                      <p:cBhvr>
+                                        <p:cTn id="7" dur="500"/>
+                                        <p:tgtEl>
+                                          <p:spTgt spid="249859"/>
+                                        </p:tgtEl>
+                                      </p:cBhvr>
+                                    </p:animEffect>
+                                  </p:childTnLst>
+                                </p:cTn>
+                              </p:par>
+                            </p:childTnLst>
+                          </p:cTn>
+                        </p:par>
+                      </p:childTnLst>
+                    </p:cTn>
+                  </p:par>
+                </p:childTnLst>
+              </p:cTn>
+              <p:prevCondLst>
+                <p:cond evt="onPrev" delay="0">
+                  <p:tgtEl>
+                    <p:sldTgt/>
+                  </p:tgtEl>
+                </p:cond>
+              </p:prevCondLst>
+              <p:nextCondLst>
+                <p:cond evt="onNext" delay="0">
+                  <p:tgtEl>
+                    <p:sldTgt/>
+                  </p:tgtEl>
+                </p:cond>
+              </p:nextCondLst>
+            </p:seq>
+          </p:childTnLst>
+        </p:cTn>
+      </p:par>
+    </p:tnLst>
+  </p:timing>
 </p:sld>
 </file>
 
